--- a/Keylogger_and_Security_DSK.pptx
+++ b/Keylogger_and_Security_DSK.pptx
@@ -116,7 +116,41 @@
       </a:defRPr>
     </a:lvl9pPr>
   </p:defaultTextStyle>
+  <p:extLst>
+    <p:ext uri="{EFAFB233-063F-42B5-8137-9DF3F51BA10A}">
+      <p15:sldGuideLst xmlns:p15="http://schemas.microsoft.com/office/powerpoint/2012/main"/>
+    </p:ext>
+  </p:extLst>
 </p:presentation>
+</file>
+
+<file path=ppt/changesInfos/changesInfo1.xml><?xml version="1.0" encoding="utf-8"?>
+<pc:chgInfo xmlns:a="http://schemas.openxmlformats.org/drawingml/2006/main" xmlns:r="http://schemas.openxmlformats.org/officeDocument/2006/relationships" xmlns:ac="http://schemas.microsoft.com/office/drawing/2013/main/command" xmlns:pc="http://schemas.microsoft.com/office/powerpoint/2013/main/command">
+  <pc:docChgLst>
+    <pc:chgData name="Sai Krishna Durvasula" userId="0cb6abe10ed63d6f" providerId="LiveId" clId="{E2D0A14B-73EA-4635-A8E7-22A4BED9BEDA}"/>
+    <pc:docChg chg="modSld">
+      <pc:chgData name="Sai Krishna Durvasula" userId="0cb6abe10ed63d6f" providerId="LiveId" clId="{E2D0A14B-73EA-4635-A8E7-22A4BED9BEDA}" dt="2024-06-25T09:44:21.543" v="0"/>
+      <pc:docMkLst>
+        <pc:docMk/>
+      </pc:docMkLst>
+      <pc:sldChg chg="modSp mod">
+        <pc:chgData name="Sai Krishna Durvasula" userId="0cb6abe10ed63d6f" providerId="LiveId" clId="{E2D0A14B-73EA-4635-A8E7-22A4BED9BEDA}" dt="2024-06-25T09:44:21.543" v="0"/>
+        <pc:sldMkLst>
+          <pc:docMk/>
+          <pc:sldMk cId="1430217275" sldId="264"/>
+        </pc:sldMkLst>
+        <pc:spChg chg="mod">
+          <ac:chgData name="Sai Krishna Durvasula" userId="0cb6abe10ed63d6f" providerId="LiveId" clId="{E2D0A14B-73EA-4635-A8E7-22A4BED9BEDA}" dt="2024-06-25T09:44:21.543" v="0"/>
+          <ac:spMkLst>
+            <pc:docMk/>
+            <pc:sldMk cId="1430217275" sldId="264"/>
+            <ac:spMk id="3" creationId="{54BCE890-181B-973C-F6CA-E2F9969E94E3}"/>
+          </ac:spMkLst>
+        </pc:spChg>
+      </pc:sldChg>
+    </pc:docChg>
+  </pc:docChgLst>
+</pc:chgInfo>
 </file>
 
 <file path=ppt/slideLayouts/slideLayout1.xml><?xml version="1.0" encoding="utf-8"?>
@@ -4426,6 +4460,24 @@
           <a:bodyPr/>
           <a:lstStyle/>
           <a:p>
+            <a:r>
+              <a:rPr lang="en-IN" dirty="0">
+                <a:hlinkClick r:id="rId2"/>
+              </a:rPr>
+              <a:t>dsk2711/</a:t>
+            </a:r>
+            <a:r>
+              <a:rPr lang="en-IN" dirty="0" err="1">
+                <a:hlinkClick r:id="rId2"/>
+              </a:rPr>
+              <a:t>keylooger</a:t>
+            </a:r>
+            <a:r>
+              <a:rPr lang="en-IN">
+                <a:hlinkClick r:id="rId2"/>
+              </a:rPr>
+              <a:t> (github.com)</a:t>
+            </a:r>
             <a:endParaRPr lang="en-IN" dirty="0"/>
           </a:p>
         </p:txBody>
